--- a/ppt/算法讲解059【必备】建图、链式前向星、拓扑排序.pptx
+++ b/ppt/算法讲解059【必备】建图、链式前向星、拓扑排序.pptx
@@ -3918,7 +3918,7 @@
       </p:sp>
       <p:sp>
         <p:nvSpPr>
-          <p:cNvPr id="153" name="前置知识 : 讲解013-数组方式实现队列、讲解019-算法笔试更推荐静态空间的方式、025-堆结构…"/>
+          <p:cNvPr id="153" name="前置知识 : 讲解013-数组实现队列、讲解019-算法笔试更推荐静态空间的方式、讲解025-堆结构…"/>
           <p:cNvSpPr txBox="1"/>
           <p:nvPr/>
         </p:nvSpPr>
@@ -3957,7 +3957,7 @@
               </a:defRPr>
             </a:pPr>
             <a:r>
-              <a:t>前置知识 : 讲解013-数组方式实现队列、讲解019-算法笔试更推荐静态空间的方式、025-堆结构</a:t>
+              <a:t>前置知识 : 讲解013-数组实现队列、讲解019-算法笔试更推荐静态空间的方式、讲解025-堆结构</a:t>
             </a:r>
           </a:p>
           <a:p>
